--- a/docs/CaLender.pptx
+++ b/docs/CaLender.pptx
@@ -814,7 +814,7 @@
   <p:cSld>
     <p:spTree>
       <p:nvGrpSpPr>
-        <p:cNvPr id="87" name="Shape 87"/>
+        <p:cNvPr id="88" name="Shape 88"/>
         <p:cNvGrpSpPr/>
         <p:nvPr/>
       </p:nvGrpSpPr>
@@ -828,7 +828,7 @@
       </p:grpSpPr>
       <p:sp>
         <p:nvSpPr>
-          <p:cNvPr id="88" name="Google Shape;88;g13af32612cb_0_347:notes"/>
+          <p:cNvPr id="89" name="Google Shape;89;g13af32612cb_0_347:notes"/>
           <p:cNvSpPr/>
           <p:nvPr>
             <p:ph idx="2" type="sldImg"/>
@@ -863,7 +863,7 @@
       </p:sp>
       <p:sp>
         <p:nvSpPr>
-          <p:cNvPr id="89" name="Google Shape;89;g13af32612cb_0_347:notes"/>
+          <p:cNvPr id="90" name="Google Shape;90;g13af32612cb_0_347:notes"/>
           <p:cNvSpPr txBox="1"/>
           <p:nvPr>
             <p:ph idx="1" type="body"/>
@@ -913,7 +913,7 @@
   <p:cSld>
     <p:spTree>
       <p:nvGrpSpPr>
-        <p:cNvPr id="92" name="Shape 92"/>
+        <p:cNvPr id="93" name="Shape 93"/>
         <p:cNvGrpSpPr/>
         <p:nvPr/>
       </p:nvGrpSpPr>
@@ -927,7 +927,7 @@
       </p:grpSpPr>
       <p:sp>
         <p:nvSpPr>
-          <p:cNvPr id="93" name="Google Shape;93;gd5b15f0a3_5_26:notes"/>
+          <p:cNvPr id="94" name="Google Shape;94;gd5b15f0a3_5_26:notes"/>
           <p:cNvSpPr/>
           <p:nvPr>
             <p:ph idx="2" type="sldImg"/>
@@ -962,7 +962,7 @@
       </p:sp>
       <p:sp>
         <p:nvSpPr>
-          <p:cNvPr id="94" name="Google Shape;94;gd5b15f0a3_5_26:notes"/>
+          <p:cNvPr id="95" name="Google Shape;95;gd5b15f0a3_5_26:notes"/>
           <p:cNvSpPr txBox="1"/>
           <p:nvPr>
             <p:ph idx="1" type="body"/>
@@ -1012,7 +1012,7 @@
   <p:cSld>
     <p:spTree>
       <p:nvGrpSpPr>
-        <p:cNvPr id="97" name="Shape 97"/>
+        <p:cNvPr id="98" name="Shape 98"/>
         <p:cNvGrpSpPr/>
         <p:nvPr/>
       </p:nvGrpSpPr>
@@ -1026,7 +1026,7 @@
       </p:grpSpPr>
       <p:sp>
         <p:nvSpPr>
-          <p:cNvPr id="98" name="Google Shape;98;g13af32612cb_0_352:notes"/>
+          <p:cNvPr id="99" name="Google Shape;99;g13af32612cb_0_352:notes"/>
           <p:cNvSpPr/>
           <p:nvPr>
             <p:ph idx="2" type="sldImg"/>
@@ -1061,7 +1061,7 @@
       </p:sp>
       <p:sp>
         <p:nvSpPr>
-          <p:cNvPr id="99" name="Google Shape;99;g13af32612cb_0_352:notes"/>
+          <p:cNvPr id="100" name="Google Shape;100;g13af32612cb_0_352:notes"/>
           <p:cNvSpPr txBox="1"/>
           <p:nvPr>
             <p:ph idx="1" type="body"/>
@@ -1111,7 +1111,7 @@
   <p:cSld>
     <p:spTree>
       <p:nvGrpSpPr>
-        <p:cNvPr id="103" name="Shape 103"/>
+        <p:cNvPr id="104" name="Shape 104"/>
         <p:cNvGrpSpPr/>
         <p:nvPr/>
       </p:nvGrpSpPr>
@@ -1125,7 +1125,7 @@
       </p:grpSpPr>
       <p:sp>
         <p:nvSpPr>
-          <p:cNvPr id="104" name="Google Shape;104;g13af32612cb_0_358:notes"/>
+          <p:cNvPr id="105" name="Google Shape;105;g13af32612cb_0_358:notes"/>
           <p:cNvSpPr/>
           <p:nvPr>
             <p:ph idx="2" type="sldImg"/>
@@ -1160,7 +1160,7 @@
       </p:sp>
       <p:sp>
         <p:nvSpPr>
-          <p:cNvPr id="105" name="Google Shape;105;g13af32612cb_0_358:notes"/>
+          <p:cNvPr id="106" name="Google Shape;106;g13af32612cb_0_358:notes"/>
           <p:cNvSpPr txBox="1"/>
           <p:nvPr>
             <p:ph idx="1" type="body"/>
@@ -1210,7 +1210,7 @@
   <p:cSld>
     <p:spTree>
       <p:nvGrpSpPr>
-        <p:cNvPr id="109" name="Shape 109"/>
+        <p:cNvPr id="110" name="Shape 110"/>
         <p:cNvGrpSpPr/>
         <p:nvPr/>
       </p:nvGrpSpPr>
@@ -1224,7 +1224,7 @@
       </p:grpSpPr>
       <p:sp>
         <p:nvSpPr>
-          <p:cNvPr id="110" name="Google Shape;110;g13af32612cb_0_363:notes"/>
+          <p:cNvPr id="111" name="Google Shape;111;g13af32612cb_0_363:notes"/>
           <p:cNvSpPr/>
           <p:nvPr>
             <p:ph idx="2" type="sldImg"/>
@@ -1259,7 +1259,7 @@
       </p:sp>
       <p:sp>
         <p:nvSpPr>
-          <p:cNvPr id="111" name="Google Shape;111;g13af32612cb_0_363:notes"/>
+          <p:cNvPr id="112" name="Google Shape;112;g13af32612cb_0_363:notes"/>
           <p:cNvSpPr txBox="1"/>
           <p:nvPr>
             <p:ph idx="1" type="body"/>
@@ -1309,7 +1309,7 @@
   <p:cSld>
     <p:spTree>
       <p:nvGrpSpPr>
-        <p:cNvPr id="115" name="Shape 115"/>
+        <p:cNvPr id="116" name="Shape 116"/>
         <p:cNvGrpSpPr/>
         <p:nvPr/>
       </p:nvGrpSpPr>
@@ -1323,7 +1323,7 @@
       </p:grpSpPr>
       <p:sp>
         <p:nvSpPr>
-          <p:cNvPr id="116" name="Google Shape;116;g13af32612cb_0_370:notes"/>
+          <p:cNvPr id="117" name="Google Shape;117;g13af32612cb_0_370:notes"/>
           <p:cNvSpPr/>
           <p:nvPr>
             <p:ph idx="2" type="sldImg"/>
@@ -1358,7 +1358,7 @@
       </p:sp>
       <p:sp>
         <p:nvSpPr>
-          <p:cNvPr id="117" name="Google Shape;117;g13af32612cb_0_370:notes"/>
+          <p:cNvPr id="118" name="Google Shape;118;g13af32612cb_0_370:notes"/>
           <p:cNvSpPr txBox="1"/>
           <p:nvPr>
             <p:ph idx="1" type="body"/>
@@ -1408,7 +1408,7 @@
   <p:cSld>
     <p:spTree>
       <p:nvGrpSpPr>
-        <p:cNvPr id="120" name="Shape 120"/>
+        <p:cNvPr id="121" name="Shape 121"/>
         <p:cNvGrpSpPr/>
         <p:nvPr/>
       </p:nvGrpSpPr>
@@ -1422,7 +1422,7 @@
       </p:grpSpPr>
       <p:sp>
         <p:nvSpPr>
-          <p:cNvPr id="121" name="Google Shape;121;g13af32612cb_0_375:notes"/>
+          <p:cNvPr id="122" name="Google Shape;122;g13af32612cb_0_375:notes"/>
           <p:cNvSpPr/>
           <p:nvPr>
             <p:ph idx="2" type="sldImg"/>
@@ -1457,7 +1457,7 @@
       </p:sp>
       <p:sp>
         <p:nvSpPr>
-          <p:cNvPr id="122" name="Google Shape;122;g13af32612cb_0_375:notes"/>
+          <p:cNvPr id="123" name="Google Shape;123;g13af32612cb_0_375:notes"/>
           <p:cNvSpPr txBox="1"/>
           <p:nvPr>
             <p:ph idx="1" type="body"/>
@@ -1507,7 +1507,7 @@
   <p:cSld>
     <p:spTree>
       <p:nvGrpSpPr>
-        <p:cNvPr id="126" name="Shape 126"/>
+        <p:cNvPr id="127" name="Shape 127"/>
         <p:cNvGrpSpPr/>
         <p:nvPr/>
       </p:nvGrpSpPr>
@@ -1521,7 +1521,7 @@
       </p:grpSpPr>
       <p:sp>
         <p:nvSpPr>
-          <p:cNvPr id="127" name="Google Shape;127;gcb9a0b074_1_213:notes"/>
+          <p:cNvPr id="128" name="Google Shape;128;gcb9a0b074_1_213:notes"/>
           <p:cNvSpPr/>
           <p:nvPr>
             <p:ph idx="2" type="sldImg"/>
@@ -1556,7 +1556,7 @@
       </p:sp>
       <p:sp>
         <p:nvSpPr>
-          <p:cNvPr id="128" name="Google Shape;128;gcb9a0b074_1_213:notes"/>
+          <p:cNvPr id="129" name="Google Shape;129;gcb9a0b074_1_213:notes"/>
           <p:cNvSpPr txBox="1"/>
           <p:nvPr>
             <p:ph idx="1" type="body"/>
@@ -8298,6 +8298,65 @@
           </a:p>
         </p:txBody>
       </p:sp>
+      <p:sp>
+        <p:nvSpPr>
+          <p:cNvPr id="87" name="Google Shape;87;p13"/>
+          <p:cNvSpPr txBox="1"/>
+          <p:nvPr/>
+        </p:nvSpPr>
+        <p:spPr>
+          <a:xfrm>
+            <a:off x="598100" y="4303575"/>
+            <a:ext cx="4502700" cy="400200"/>
+          </a:xfrm>
+          <a:prstGeom prst="rect">
+            <a:avLst/>
+          </a:prstGeom>
+          <a:noFill/>
+          <a:ln>
+            <a:noFill/>
+          </a:ln>
+        </p:spPr>
+        <p:txBody>
+          <a:bodyPr anchorCtr="0" anchor="t" bIns="91425" lIns="91425" spcFirstLastPara="1" rIns="91425" wrap="square" tIns="91425">
+            <a:spAutoFit/>
+          </a:bodyPr>
+          <a:lstStyle/>
+          <a:p>
+            <a:pPr indent="0" lvl="0" marL="0" rtl="0" algn="l">
+              <a:spcBef>
+                <a:spcPts val="0"/>
+              </a:spcBef>
+              <a:spcAft>
+                <a:spcPts val="0"/>
+              </a:spcAft>
+              <a:buNone/>
+            </a:pPr>
+            <a:r>
+              <a:rPr lang="en" u="sng">
+                <a:solidFill>
+                  <a:schemeClr val="hlink"/>
+                </a:solidFill>
+                <a:latin typeface="Roboto"/>
+                <a:ea typeface="Roboto"/>
+                <a:cs typeface="Roboto"/>
+                <a:sym typeface="Roboto"/>
+                <a:hlinkClick r:id="rId3"/>
+              </a:rPr>
+              <a:t>https://github.com/gospodinove/calender</a:t>
+            </a:r>
+            <a:endParaRPr>
+              <a:solidFill>
+                <a:schemeClr val="lt1"/>
+              </a:solidFill>
+              <a:latin typeface="Roboto"/>
+              <a:ea typeface="Roboto"/>
+              <a:cs typeface="Roboto"/>
+              <a:sym typeface="Roboto"/>
+            </a:endParaRPr>
+          </a:p>
+        </p:txBody>
+      </p:sp>
     </p:spTree>
   </p:cSld>
   <p:clrMapOvr>
@@ -8311,7 +8370,7 @@
   <p:cSld>
     <p:spTree>
       <p:nvGrpSpPr>
-        <p:cNvPr id="90" name="Shape 90"/>
+        <p:cNvPr id="91" name="Shape 91"/>
         <p:cNvGrpSpPr/>
         <p:nvPr/>
       </p:nvGrpSpPr>
@@ -8325,7 +8384,7 @@
       </p:grpSpPr>
       <p:sp>
         <p:nvSpPr>
-          <p:cNvPr id="91" name="Google Shape;91;p14"/>
+          <p:cNvPr id="92" name="Google Shape;92;p14"/>
           <p:cNvSpPr txBox="1"/>
           <p:nvPr>
             <p:ph type="title"/>
@@ -8377,7 +8436,7 @@
   <p:cSld>
     <p:spTree>
       <p:nvGrpSpPr>
-        <p:cNvPr id="95" name="Shape 95"/>
+        <p:cNvPr id="96" name="Shape 96"/>
         <p:cNvGrpSpPr/>
         <p:nvPr/>
       </p:nvGrpSpPr>
@@ -8391,7 +8450,7 @@
       </p:grpSpPr>
       <p:sp>
         <p:nvSpPr>
-          <p:cNvPr id="96" name="Google Shape;96;p15"/>
+          <p:cNvPr id="97" name="Google Shape;97;p15"/>
           <p:cNvSpPr txBox="1"/>
           <p:nvPr>
             <p:ph type="title"/>
@@ -8443,7 +8502,7 @@
   <p:cSld>
     <p:spTree>
       <p:nvGrpSpPr>
-        <p:cNvPr id="100" name="Shape 100"/>
+        <p:cNvPr id="101" name="Shape 101"/>
         <p:cNvGrpSpPr/>
         <p:nvPr/>
       </p:nvGrpSpPr>
@@ -8457,7 +8516,7 @@
       </p:grpSpPr>
       <p:sp>
         <p:nvSpPr>
-          <p:cNvPr id="101" name="Google Shape;101;p16"/>
+          <p:cNvPr id="102" name="Google Shape;102;p16"/>
           <p:cNvSpPr txBox="1"/>
           <p:nvPr>
             <p:ph type="title"/>
@@ -8497,7 +8556,7 @@
       </p:sp>
       <p:sp>
         <p:nvSpPr>
-          <p:cNvPr id="102" name="Google Shape;102;p16"/>
+          <p:cNvPr id="103" name="Google Shape;103;p16"/>
           <p:cNvSpPr txBox="1"/>
           <p:nvPr>
             <p:ph idx="1" type="body"/>
@@ -8617,7 +8676,7 @@
   <p:cSld>
     <p:spTree>
       <p:nvGrpSpPr>
-        <p:cNvPr id="106" name="Shape 106"/>
+        <p:cNvPr id="107" name="Shape 107"/>
         <p:cNvGrpSpPr/>
         <p:nvPr/>
       </p:nvGrpSpPr>
@@ -8631,7 +8690,7 @@
       </p:grpSpPr>
       <p:sp>
         <p:nvSpPr>
-          <p:cNvPr id="107" name="Google Shape;107;p17"/>
+          <p:cNvPr id="108" name="Google Shape;108;p17"/>
           <p:cNvSpPr txBox="1"/>
           <p:nvPr>
             <p:ph type="title"/>
@@ -8671,7 +8730,7 @@
       </p:sp>
       <p:sp>
         <p:nvSpPr>
-          <p:cNvPr id="108" name="Google Shape;108;p17"/>
+          <p:cNvPr id="109" name="Google Shape;109;p17"/>
           <p:cNvSpPr txBox="1"/>
           <p:nvPr>
             <p:ph idx="1" type="body"/>
@@ -8791,7 +8850,7 @@
   <p:cSld>
     <p:spTree>
       <p:nvGrpSpPr>
-        <p:cNvPr id="112" name="Shape 112"/>
+        <p:cNvPr id="113" name="Shape 113"/>
         <p:cNvGrpSpPr/>
         <p:nvPr/>
       </p:nvGrpSpPr>
@@ -8805,7 +8864,7 @@
       </p:grpSpPr>
       <p:sp>
         <p:nvSpPr>
-          <p:cNvPr id="113" name="Google Shape;113;p18"/>
+          <p:cNvPr id="114" name="Google Shape;114;p18"/>
           <p:cNvSpPr txBox="1"/>
           <p:nvPr>
             <p:ph type="title"/>
@@ -8845,7 +8904,7 @@
       </p:sp>
       <p:sp>
         <p:nvSpPr>
-          <p:cNvPr id="114" name="Google Shape;114;p18"/>
+          <p:cNvPr id="115" name="Google Shape;115;p18"/>
           <p:cNvSpPr txBox="1"/>
           <p:nvPr>
             <p:ph idx="1" type="body"/>
@@ -9133,7 +9192,7 @@
   <p:cSld>
     <p:spTree>
       <p:nvGrpSpPr>
-        <p:cNvPr id="118" name="Shape 118"/>
+        <p:cNvPr id="119" name="Shape 119"/>
         <p:cNvGrpSpPr/>
         <p:nvPr/>
       </p:nvGrpSpPr>
@@ -9147,7 +9206,7 @@
       </p:grpSpPr>
       <p:sp>
         <p:nvSpPr>
-          <p:cNvPr id="119" name="Google Shape;119;p19"/>
+          <p:cNvPr id="120" name="Google Shape;120;p19"/>
           <p:cNvSpPr txBox="1"/>
           <p:nvPr>
             <p:ph type="title"/>
@@ -9198,7 +9257,7 @@
   <p:cSld>
     <p:spTree>
       <p:nvGrpSpPr>
-        <p:cNvPr id="123" name="Shape 123"/>
+        <p:cNvPr id="124" name="Shape 124"/>
         <p:cNvGrpSpPr/>
         <p:nvPr/>
       </p:nvGrpSpPr>
@@ -9212,7 +9271,7 @@
       </p:grpSpPr>
       <p:sp>
         <p:nvSpPr>
-          <p:cNvPr id="124" name="Google Shape;124;p20"/>
+          <p:cNvPr id="125" name="Google Shape;125;p20"/>
           <p:cNvSpPr txBox="1"/>
           <p:nvPr>
             <p:ph idx="1" type="body"/>
@@ -9436,7 +9495,7 @@
       </p:sp>
       <p:sp>
         <p:nvSpPr>
-          <p:cNvPr id="125" name="Google Shape;125;p20"/>
+          <p:cNvPr id="126" name="Google Shape;126;p20"/>
           <p:cNvSpPr txBox="1"/>
           <p:nvPr>
             <p:ph idx="2" type="body"/>
@@ -9741,7 +9800,7 @@
     </p:bg>
     <p:spTree>
       <p:nvGrpSpPr>
-        <p:cNvPr id="129" name="Shape 129"/>
+        <p:cNvPr id="130" name="Shape 130"/>
         <p:cNvGrpSpPr/>
         <p:nvPr/>
       </p:nvGrpSpPr>
@@ -9755,7 +9814,7 @@
       </p:grpSpPr>
       <p:pic>
         <p:nvPicPr>
-          <p:cNvPr id="130" name="Google Shape;130;p21"/>
+          <p:cNvPr id="131" name="Google Shape;131;p21"/>
           <p:cNvPicPr preferRelativeResize="0"/>
           <p:nvPr/>
         </p:nvPicPr>
@@ -9783,7 +9842,7 @@
       </p:pic>
       <p:pic>
         <p:nvPicPr>
-          <p:cNvPr descr="Piece of duct tape sticking a note to the slide" id="131" name="Google Shape;131;p21"/>
+          <p:cNvPr descr="Piece of duct tape sticking a note to the slide" id="132" name="Google Shape;132;p21"/>
           <p:cNvPicPr preferRelativeResize="0"/>
           <p:nvPr/>
         </p:nvPicPr>
@@ -9810,7 +9869,7 @@
       </p:pic>
       <p:sp>
         <p:nvSpPr>
-          <p:cNvPr id="132" name="Google Shape;132;p21"/>
+          <p:cNvPr id="133" name="Google Shape;133;p21"/>
           <p:cNvSpPr txBox="1"/>
           <p:nvPr/>
         </p:nvSpPr>
